--- a/SupportVectorMachines.pptx
+++ b/SupportVectorMachines.pptx
@@ -23,8 +23,8 @@
     <p:sldId id="625" r:id="rId11"/>
     <p:sldId id="617" r:id="rId12"/>
     <p:sldId id="618" r:id="rId13"/>
-    <p:sldId id="619" r:id="rId14"/>
-    <p:sldId id="642" r:id="rId15"/>
+    <p:sldId id="642" r:id="rId14"/>
+    <p:sldId id="619" r:id="rId15"/>
     <p:sldId id="638" r:id="rId16"/>
     <p:sldId id="639" r:id="rId17"/>
     <p:sldId id="641" r:id="rId18"/>
@@ -3764,8 +3764,8 @@
           </a:p>
         </p:txBody>
       </p:sp>
-      <mc:AlternateContent xmlns:mc="http://schemas.openxmlformats.org/markup-compatibility/2006" xmlns:a14="http://schemas.microsoft.com/office/drawing/2010/main">
-        <mc:Choice Requires="a14">
+      <mc:AlternateContent xmlns:mc="http://schemas.openxmlformats.org/markup-compatibility/2006">
+        <mc:Choice xmlns:a14="http://schemas.microsoft.com/office/drawing/2010/main" Requires="a14">
           <p:sp>
             <p:nvSpPr>
               <p:cNvPr id="3" name="Content Placeholder 2"/>
@@ -3784,7 +3784,7 @@
             </p:spPr>
             <p:txBody>
               <a:bodyPr>
-                <a:normAutofit fontScale="70000" lnSpcReduction="20000"/>
+                <a:normAutofit fontScale="77500" lnSpcReduction="20000"/>
               </a:bodyPr>
               <a:lstStyle/>
               <a:p>
@@ -4304,41 +4304,11 @@
               <a:p>
                 <a:r>
                   <a:rPr lang="en-US" dirty="0" smtClean="0"/>
-                  <a:t>It </a:t>
+                  <a:t>When </a:t>
                 </a:r>
                 <a:r>
                   <a:rPr lang="en-US" dirty="0"/>
-                  <a:t>essentially amounts to fitting a support </a:t>
-                </a:r>
-                <a:r>
-                  <a:rPr lang="en-US" dirty="0" smtClean="0"/>
-                  <a:t>vector classifier </a:t>
-                </a:r>
-                <a:r>
-                  <a:rPr lang="en-US" dirty="0"/>
-                  <a:t>in a higher-dimensional space involving polynomials of degree </a:t>
-                </a:r>
-                <a:r>
-                  <a:rPr lang="en-US" i="1" dirty="0"/>
-                  <a:t>d</a:t>
-                </a:r>
-                <a:r>
-                  <a:rPr lang="en-US" dirty="0" smtClean="0"/>
-                  <a:t>, rather </a:t>
-                </a:r>
-                <a:r>
-                  <a:rPr lang="en-US" dirty="0"/>
-                  <a:t>than in the original feature </a:t>
-                </a:r>
-                <a:r>
-                  <a:rPr lang="en-US" dirty="0" smtClean="0"/>
-                  <a:t>space</a:t>
-                </a:r>
-              </a:p>
-              <a:p>
-                <a:r>
-                  <a:rPr lang="en-US" dirty="0"/>
-                  <a:t>When the support vector </a:t>
+                  <a:t>the support vector </a:t>
                 </a:r>
                 <a:r>
                   <a:rPr lang="en-US" dirty="0" smtClean="0"/>
@@ -4604,7 +4574,7 @@
             </p:txBody>
           </p:sp>
         </mc:Choice>
-        <mc:Fallback xmlns="">
+        <mc:Fallback>
           <p:sp>
             <p:nvSpPr>
               <p:cNvPr id="3" name="Content Placeholder 2"/>
@@ -4623,7 +4593,7 @@
               <a:blipFill>
                 <a:blip r:embed="rId2"/>
                 <a:stretch>
-                  <a:fillRect l="-863" t="-5426" r="-1804" b="-12021"/>
+                  <a:fillRect l="-1098" t="-2128" b="-15000"/>
                 </a:stretch>
               </a:blipFill>
             </p:spPr>
@@ -6410,419 +6380,6 @@
 </file>
 
 <file path=ppt/slides/slide13.xml><?xml version="1.0" encoding="utf-8"?>
-<p:sld xmlns:a="http://schemas.openxmlformats.org/drawingml/2006/main" xmlns:r="http://schemas.openxmlformats.org/officeDocument/2006/relationships" xmlns:p="http://schemas.openxmlformats.org/presentationml/2006/main">
-  <p:cSld>
-    <p:spTree>
-      <p:nvGrpSpPr>
-        <p:cNvPr id="1" name=""/>
-        <p:cNvGrpSpPr/>
-        <p:nvPr/>
-      </p:nvGrpSpPr>
-      <p:grpSpPr>
-        <a:xfrm>
-          <a:off x="0" y="0"/>
-          <a:ext cx="0" cy="0"/>
-          <a:chOff x="0" y="0"/>
-          <a:chExt cx="0" cy="0"/>
-        </a:xfrm>
-      </p:grpSpPr>
-      <p:sp>
-        <p:nvSpPr>
-          <p:cNvPr id="2" name="Title 1"/>
-          <p:cNvSpPr>
-            <a:spLocks noGrp="1"/>
-          </p:cNvSpPr>
-          <p:nvPr>
-            <p:ph type="title"/>
-          </p:nvPr>
-        </p:nvSpPr>
-        <p:spPr/>
-        <p:txBody>
-          <a:bodyPr/>
-          <a:lstStyle/>
-          <a:p>
-            <a:r>
-              <a:rPr lang="en-US" dirty="0"/>
-              <a:t>The Support Vector Machine</a:t>
-            </a:r>
-          </a:p>
-        </p:txBody>
-      </p:sp>
-      <mc:AlternateContent xmlns:mc="http://schemas.openxmlformats.org/markup-compatibility/2006" xmlns:a14="http://schemas.microsoft.com/office/drawing/2010/main">
-        <mc:Choice Requires="a14">
-          <p:sp>
-            <p:nvSpPr>
-              <p:cNvPr id="3" name="Content Placeholder 2"/>
-              <p:cNvSpPr>
-                <a:spLocks noGrp="1"/>
-              </p:cNvSpPr>
-              <p:nvPr>
-                <p:ph idx="1"/>
-              </p:nvPr>
-            </p:nvSpPr>
-            <p:spPr/>
-            <p:txBody>
-              <a:bodyPr>
-                <a:normAutofit fontScale="85000" lnSpcReduction="20000"/>
-              </a:bodyPr>
-              <a:lstStyle/>
-              <a:p>
-                <a:r>
-                  <a:rPr lang="en-US" dirty="0" smtClean="0"/>
-                  <a:t>What is the advantage of using a kernel rather than simply enlarging the </a:t>
-                </a:r>
-                <a:r>
-                  <a:rPr lang="en-US" dirty="0"/>
-                  <a:t>feature space using functions of the original </a:t>
-                </a:r>
-                <a:r>
-                  <a:rPr lang="en-US" dirty="0" smtClean="0"/>
-                  <a:t>features, as we did with linear regression?</a:t>
-                </a:r>
-              </a:p>
-              <a:p>
-                <a:r>
-                  <a:rPr lang="en-US" dirty="0" smtClean="0"/>
-                  <a:t>One advantage </a:t>
-                </a:r>
-                <a:r>
-                  <a:rPr lang="en-US" dirty="0"/>
-                  <a:t>is computational, and it amounts to the fact that using kernels</a:t>
-                </a:r>
-                <a:r>
-                  <a:rPr lang="en-US" dirty="0" smtClean="0"/>
-                  <a:t>, one </a:t>
-                </a:r>
-                <a:r>
-                  <a:rPr lang="en-US" dirty="0"/>
-                  <a:t>need only </a:t>
-                </a:r>
-                <a:r>
-                  <a:rPr lang="en-US" dirty="0" smtClean="0"/>
-                  <a:t>compute </a:t>
-                </a:r>
-                <a14:m>
-                  <m:oMath xmlns:m="http://schemas.openxmlformats.org/officeDocument/2006/math">
-                    <m:r>
-                      <a:rPr lang="en-US" i="1">
-                        <a:latin typeface="Cambria Math" panose="02040503050406030204" pitchFamily="18" charset="0"/>
-                      </a:rPr>
-                      <m:t>𝐾</m:t>
-                    </m:r>
-                    <m:d>
-                      <m:dPr>
-                        <m:ctrlPr>
-                          <a:rPr lang="en-US" i="1">
-                            <a:latin typeface="Cambria Math" panose="02040503050406030204" pitchFamily="18" charset="0"/>
-                          </a:rPr>
-                        </m:ctrlPr>
-                      </m:dPr>
-                      <m:e>
-                        <m:sSub>
-                          <m:sSubPr>
-                            <m:ctrlPr>
-                              <a:rPr lang="en-US" i="1">
-                                <a:latin typeface="Cambria Math" panose="02040503050406030204" pitchFamily="18" charset="0"/>
-                              </a:rPr>
-                            </m:ctrlPr>
-                          </m:sSubPr>
-                          <m:e>
-                            <m:r>
-                              <a:rPr lang="en-US" i="1">
-                                <a:latin typeface="Cambria Math" panose="02040503050406030204" pitchFamily="18" charset="0"/>
-                              </a:rPr>
-                              <m:t>𝑥</m:t>
-                            </m:r>
-                          </m:e>
-                          <m:sub>
-                            <m:r>
-                              <a:rPr lang="en-US" i="1">
-                                <a:latin typeface="Cambria Math" panose="02040503050406030204" pitchFamily="18" charset="0"/>
-                              </a:rPr>
-                              <m:t>𝑖</m:t>
-                            </m:r>
-                          </m:sub>
-                        </m:sSub>
-                        <m:r>
-                          <a:rPr lang="en-US" i="1">
-                            <a:latin typeface="Cambria Math" panose="02040503050406030204" pitchFamily="18" charset="0"/>
-                          </a:rPr>
-                          <m:t>,</m:t>
-                        </m:r>
-                        <m:sSub>
-                          <m:sSubPr>
-                            <m:ctrlPr>
-                              <a:rPr lang="en-US" i="1">
-                                <a:latin typeface="Cambria Math" panose="02040503050406030204" pitchFamily="18" charset="0"/>
-                              </a:rPr>
-                            </m:ctrlPr>
-                          </m:sSubPr>
-                          <m:e>
-                            <m:r>
-                              <a:rPr lang="en-US" i="1">
-                                <a:latin typeface="Cambria Math" panose="02040503050406030204" pitchFamily="18" charset="0"/>
-                              </a:rPr>
-                              <m:t>𝑥</m:t>
-                            </m:r>
-                          </m:e>
-                          <m:sub>
-                            <m:sSup>
-                              <m:sSupPr>
-                                <m:ctrlPr>
-                                  <a:rPr lang="en-US" i="1">
-                                    <a:latin typeface="Cambria Math" panose="02040503050406030204" pitchFamily="18" charset="0"/>
-                                  </a:rPr>
-                                </m:ctrlPr>
-                              </m:sSupPr>
-                              <m:e>
-                                <m:r>
-                                  <a:rPr lang="en-US" i="1">
-                                    <a:latin typeface="Cambria Math" panose="02040503050406030204" pitchFamily="18" charset="0"/>
-                                  </a:rPr>
-                                  <m:t>𝑖</m:t>
-                                </m:r>
-                              </m:e>
-                              <m:sup>
-                                <m:r>
-                                  <a:rPr lang="en-US" i="1">
-                                    <a:latin typeface="Cambria Math" panose="02040503050406030204" pitchFamily="18" charset="0"/>
-                                  </a:rPr>
-                                  <m:t>′</m:t>
-                                </m:r>
-                              </m:sup>
-                            </m:sSup>
-                          </m:sub>
-                        </m:sSub>
-                      </m:e>
-                    </m:d>
-                  </m:oMath>
-                </a14:m>
-                <a:r>
-                  <a:rPr lang="en-US" dirty="0" smtClean="0"/>
-                  <a:t> for all </a:t>
-                </a:r>
-                <a14:m>
-                  <m:oMath xmlns:m="http://schemas.openxmlformats.org/officeDocument/2006/math">
-                    <m:d>
-                      <m:dPr>
-                        <m:ctrlPr>
-                          <a:rPr lang="en-US" i="1">
-                            <a:latin typeface="Cambria Math" panose="02040503050406030204" pitchFamily="18" charset="0"/>
-                          </a:rPr>
-                        </m:ctrlPr>
-                      </m:dPr>
-                      <m:e>
-                        <m:eqArr>
-                          <m:eqArrPr>
-                            <m:ctrlPr>
-                              <a:rPr lang="en-US" i="1">
-                                <a:latin typeface="Cambria Math" panose="02040503050406030204" pitchFamily="18" charset="0"/>
-                              </a:rPr>
-                            </m:ctrlPr>
-                          </m:eqArrPr>
-                          <m:e>
-                            <m:r>
-                              <a:rPr lang="en-US" i="1">
-                                <a:latin typeface="Cambria Math" panose="02040503050406030204" pitchFamily="18" charset="0"/>
-                              </a:rPr>
-                              <m:t>𝑛</m:t>
-                            </m:r>
-                          </m:e>
-                          <m:e>
-                            <m:r>
-                              <a:rPr lang="en-US" i="1">
-                                <a:latin typeface="Cambria Math" panose="02040503050406030204" pitchFamily="18" charset="0"/>
-                              </a:rPr>
-                              <m:t>2</m:t>
-                            </m:r>
-                          </m:e>
-                        </m:eqArr>
-                      </m:e>
-                    </m:d>
-                  </m:oMath>
-                </a14:m>
-                <a:r>
-                  <a:rPr lang="en-US" dirty="0" smtClean="0"/>
-                  <a:t> distinct pairs</a:t>
-                </a:r>
-                <a:r>
-                  <a:rPr lang="en-US" i="1" dirty="0" smtClean="0"/>
-                  <a:t>, </a:t>
-                </a:r>
-                <a14:m>
-                  <m:oMath xmlns:m="http://schemas.openxmlformats.org/officeDocument/2006/math">
-                    <m:r>
-                      <a:rPr lang="en-US" b="0" i="1" smtClean="0">
-                        <a:latin typeface="Cambria Math" panose="02040503050406030204" pitchFamily="18" charset="0"/>
-                      </a:rPr>
-                      <m:t>𝑖</m:t>
-                    </m:r>
-                    <m:r>
-                      <a:rPr lang="en-US" b="0" i="1" smtClean="0">
-                        <a:latin typeface="Cambria Math" panose="02040503050406030204" pitchFamily="18" charset="0"/>
-                      </a:rPr>
-                      <m:t>,</m:t>
-                    </m:r>
-                    <m:sSup>
-                      <m:sSupPr>
-                        <m:ctrlPr>
-                          <a:rPr lang="en-US" i="1">
-                            <a:latin typeface="Cambria Math" panose="02040503050406030204" pitchFamily="18" charset="0"/>
-                          </a:rPr>
-                        </m:ctrlPr>
-                      </m:sSupPr>
-                      <m:e>
-                        <m:r>
-                          <a:rPr lang="en-US" i="1">
-                            <a:latin typeface="Cambria Math" panose="02040503050406030204" pitchFamily="18" charset="0"/>
-                          </a:rPr>
-                          <m:t>𝑖</m:t>
-                        </m:r>
-                      </m:e>
-                      <m:sup>
-                        <m:r>
-                          <a:rPr lang="en-US" i="1">
-                            <a:latin typeface="Cambria Math" panose="02040503050406030204" pitchFamily="18" charset="0"/>
-                          </a:rPr>
-                          <m:t>′</m:t>
-                        </m:r>
-                      </m:sup>
-                    </m:sSup>
-                  </m:oMath>
-                </a14:m>
-                <a:r>
-                  <a:rPr lang="en-US" dirty="0" smtClean="0"/>
-                  <a:t>, which can be done </a:t>
-                </a:r>
-                <a:r>
-                  <a:rPr lang="en-US" dirty="0"/>
-                  <a:t>without explicitly working in the enlarged feature space</a:t>
-                </a:r>
-                <a:r>
-                  <a:rPr lang="en-US" dirty="0" smtClean="0"/>
-                  <a:t>.</a:t>
-                </a:r>
-              </a:p>
-              <a:p>
-                <a:r>
-                  <a:rPr lang="en-US" dirty="0" smtClean="0"/>
-                  <a:t>This </a:t>
-                </a:r>
-                <a:r>
-                  <a:rPr lang="en-US" dirty="0"/>
-                  <a:t>is </a:t>
-                </a:r>
-                <a:r>
-                  <a:rPr lang="en-US" dirty="0" smtClean="0"/>
-                  <a:t>important because </a:t>
-                </a:r>
-                <a:r>
-                  <a:rPr lang="en-US" dirty="0"/>
-                  <a:t>in many applications of SVMs, the enlarged feature </a:t>
-                </a:r>
-                <a:r>
-                  <a:rPr lang="en-US" dirty="0" smtClean="0"/>
-                  <a:t>space is </a:t>
-                </a:r>
-                <a:r>
-                  <a:rPr lang="en-US" dirty="0"/>
-                  <a:t>so large that computations are intractable. </a:t>
-                </a:r>
-                <a:endParaRPr lang="en-US" dirty="0" smtClean="0"/>
-              </a:p>
-              <a:p>
-                <a:r>
-                  <a:rPr lang="en-US" dirty="0" smtClean="0"/>
-                  <a:t>For </a:t>
-                </a:r>
-                <a:r>
-                  <a:rPr lang="en-US" dirty="0"/>
-                  <a:t>some kernels, such as </a:t>
-                </a:r>
-                <a:r>
-                  <a:rPr lang="en-US" dirty="0" smtClean="0"/>
-                  <a:t>the radial kernel, </a:t>
-                </a:r>
-                <a:r>
-                  <a:rPr lang="en-US" dirty="0"/>
-                  <a:t>the feature space is </a:t>
-                </a:r>
-                <a:r>
-                  <a:rPr lang="en-US" i="1" dirty="0"/>
-                  <a:t>implicit </a:t>
-                </a:r>
-                <a:r>
-                  <a:rPr lang="en-US" dirty="0"/>
-                  <a:t>and infinite-dimensional</a:t>
-                </a:r>
-                <a:r>
-                  <a:rPr lang="en-US" dirty="0" smtClean="0"/>
-                  <a:t>, so </a:t>
-                </a:r>
-                <a:r>
-                  <a:rPr lang="en-US" dirty="0"/>
-                  <a:t>we could never do the computations there anyway!</a:t>
-                </a:r>
-              </a:p>
-            </p:txBody>
-          </p:sp>
-        </mc:Choice>
-        <mc:Fallback xmlns="">
-          <p:sp>
-            <p:nvSpPr>
-              <p:cNvPr id="3" name="Content Placeholder 2"/>
-              <p:cNvSpPr>
-                <a:spLocks noGrp="1" noRot="1" noChangeAspect="1" noMove="1" noResize="1" noEditPoints="1" noAdjustHandles="1" noChangeArrowheads="1" noChangeShapeType="1" noTextEdit="1"/>
-              </p:cNvSpPr>
-              <p:nvPr>
-                <p:ph idx="1"/>
-              </p:nvPr>
-            </p:nvSpPr>
-            <p:spPr>
-              <a:blipFill>
-                <a:blip r:embed="rId2"/>
-                <a:stretch>
-                  <a:fillRect l="-1333" t="-2436" r="-1647" b="-1772"/>
-                </a:stretch>
-              </a:blipFill>
-            </p:spPr>
-            <p:txBody>
-              <a:bodyPr/>
-              <a:lstStyle/>
-              <a:p>
-                <a:r>
-                  <a:rPr lang="en-US">
-                    <a:noFill/>
-                  </a:rPr>
-                  <a:t> </a:t>
-                </a:r>
-              </a:p>
-            </p:txBody>
-          </p:sp>
-        </mc:Fallback>
-      </mc:AlternateContent>
-    </p:spTree>
-    <p:extLst>
-      <p:ext uri="{BB962C8B-B14F-4D97-AF65-F5344CB8AC3E}">
-        <p14:creationId xmlns:p14="http://schemas.microsoft.com/office/powerpoint/2010/main" val="384658181"/>
-      </p:ext>
-    </p:extLst>
-  </p:cSld>
-  <p:clrMapOvr>
-    <a:masterClrMapping/>
-  </p:clrMapOvr>
-  <p:transition/>
-  <p:timing>
-    <p:tnLst>
-      <p:par>
-        <p:cTn id="1" dur="indefinite" restart="never" nodeType="tmRoot"/>
-      </p:par>
-    </p:tnLst>
-  </p:timing>
-</p:sld>
-</file>
-
-<file path=ppt/slides/slide14.xml><?xml version="1.0" encoding="utf-8"?>
 <p:sld xmlns:a="http://schemas.openxmlformats.org/drawingml/2006/main" xmlns:r="http://schemas.openxmlformats.org/officeDocument/2006/relationships" xmlns:p="http://schemas.openxmlformats.org/presentationml/2006/main">
   <p:cSld>
     <p:spTree>
@@ -7736,6 +7293,385 @@
 </p:sld>
 </file>
 
+<file path=ppt/slides/slide14.xml><?xml version="1.0" encoding="utf-8"?>
+<p:sld xmlns:a="http://schemas.openxmlformats.org/drawingml/2006/main" xmlns:r="http://schemas.openxmlformats.org/officeDocument/2006/relationships" xmlns:p="http://schemas.openxmlformats.org/presentationml/2006/main">
+  <p:cSld>
+    <p:spTree>
+      <p:nvGrpSpPr>
+        <p:cNvPr id="1" name=""/>
+        <p:cNvGrpSpPr/>
+        <p:nvPr/>
+      </p:nvGrpSpPr>
+      <p:grpSpPr>
+        <a:xfrm>
+          <a:off x="0" y="0"/>
+          <a:ext cx="0" cy="0"/>
+          <a:chOff x="0" y="0"/>
+          <a:chExt cx="0" cy="0"/>
+        </a:xfrm>
+      </p:grpSpPr>
+      <p:sp>
+        <p:nvSpPr>
+          <p:cNvPr id="2" name="Title 1"/>
+          <p:cNvSpPr>
+            <a:spLocks noGrp="1"/>
+          </p:cNvSpPr>
+          <p:nvPr>
+            <p:ph type="title"/>
+          </p:nvPr>
+        </p:nvSpPr>
+        <p:spPr/>
+        <p:txBody>
+          <a:bodyPr/>
+          <a:lstStyle/>
+          <a:p>
+            <a:r>
+              <a:rPr lang="en-US" dirty="0"/>
+              <a:t>The Support Vector Machine</a:t>
+            </a:r>
+          </a:p>
+        </p:txBody>
+      </p:sp>
+      <mc:AlternateContent xmlns:mc="http://schemas.openxmlformats.org/markup-compatibility/2006">
+        <mc:Choice xmlns:a14="http://schemas.microsoft.com/office/drawing/2010/main" Requires="a14">
+          <p:sp>
+            <p:nvSpPr>
+              <p:cNvPr id="3" name="Content Placeholder 2"/>
+              <p:cNvSpPr>
+                <a:spLocks noGrp="1"/>
+              </p:cNvSpPr>
+              <p:nvPr>
+                <p:ph idx="1"/>
+              </p:nvPr>
+            </p:nvSpPr>
+            <p:spPr/>
+            <p:txBody>
+              <a:bodyPr>
+                <a:normAutofit fontScale="92500" lnSpcReduction="20000"/>
+              </a:bodyPr>
+              <a:lstStyle/>
+              <a:p>
+                <a:r>
+                  <a:rPr lang="en-US" dirty="0" smtClean="0"/>
+                  <a:t>What is the advantage of using a kernel rather than simply enlarging the </a:t>
+                </a:r>
+                <a:r>
+                  <a:rPr lang="en-US" dirty="0"/>
+                  <a:t>feature space using functions of the original </a:t>
+                </a:r>
+                <a:r>
+                  <a:rPr lang="en-US" dirty="0" smtClean="0"/>
+                  <a:t>features, as we did with linear regression?</a:t>
+                </a:r>
+              </a:p>
+              <a:p>
+                <a:r>
+                  <a:rPr lang="en-US" dirty="0" smtClean="0"/>
+                  <a:t>One advantage </a:t>
+                </a:r>
+                <a:r>
+                  <a:rPr lang="en-US" dirty="0"/>
+                  <a:t>is computational, and it amounts to the fact that using kernels</a:t>
+                </a:r>
+                <a:r>
+                  <a:rPr lang="en-US" dirty="0" smtClean="0"/>
+                  <a:t>, one </a:t>
+                </a:r>
+                <a:r>
+                  <a:rPr lang="en-US" dirty="0"/>
+                  <a:t>need only </a:t>
+                </a:r>
+                <a:r>
+                  <a:rPr lang="en-US" dirty="0" smtClean="0"/>
+                  <a:t>compute </a:t>
+                </a:r>
+                <a14:m>
+                  <m:oMath xmlns:m="http://schemas.openxmlformats.org/officeDocument/2006/math">
+                    <m:r>
+                      <a:rPr lang="en-US" i="1">
+                        <a:latin typeface="Cambria Math" panose="02040503050406030204" pitchFamily="18" charset="0"/>
+                      </a:rPr>
+                      <m:t>𝐾</m:t>
+                    </m:r>
+                    <m:d>
+                      <m:dPr>
+                        <m:ctrlPr>
+                          <a:rPr lang="en-US" i="1">
+                            <a:latin typeface="Cambria Math" panose="02040503050406030204" pitchFamily="18" charset="0"/>
+                          </a:rPr>
+                        </m:ctrlPr>
+                      </m:dPr>
+                      <m:e>
+                        <m:sSub>
+                          <m:sSubPr>
+                            <m:ctrlPr>
+                              <a:rPr lang="en-US" i="1">
+                                <a:latin typeface="Cambria Math" panose="02040503050406030204" pitchFamily="18" charset="0"/>
+                              </a:rPr>
+                            </m:ctrlPr>
+                          </m:sSubPr>
+                          <m:e>
+                            <m:r>
+                              <a:rPr lang="en-US" i="1">
+                                <a:latin typeface="Cambria Math" panose="02040503050406030204" pitchFamily="18" charset="0"/>
+                              </a:rPr>
+                              <m:t>𝑥</m:t>
+                            </m:r>
+                          </m:e>
+                          <m:sub>
+                            <m:r>
+                              <a:rPr lang="en-US" i="1">
+                                <a:latin typeface="Cambria Math" panose="02040503050406030204" pitchFamily="18" charset="0"/>
+                              </a:rPr>
+                              <m:t>𝑖</m:t>
+                            </m:r>
+                          </m:sub>
+                        </m:sSub>
+                        <m:r>
+                          <a:rPr lang="en-US" i="1">
+                            <a:latin typeface="Cambria Math" panose="02040503050406030204" pitchFamily="18" charset="0"/>
+                          </a:rPr>
+                          <m:t>,</m:t>
+                        </m:r>
+                        <m:sSub>
+                          <m:sSubPr>
+                            <m:ctrlPr>
+                              <a:rPr lang="en-US" i="1">
+                                <a:latin typeface="Cambria Math" panose="02040503050406030204" pitchFamily="18" charset="0"/>
+                              </a:rPr>
+                            </m:ctrlPr>
+                          </m:sSubPr>
+                          <m:e>
+                            <m:r>
+                              <a:rPr lang="en-US" i="1">
+                                <a:latin typeface="Cambria Math" panose="02040503050406030204" pitchFamily="18" charset="0"/>
+                              </a:rPr>
+                              <m:t>𝑥</m:t>
+                            </m:r>
+                          </m:e>
+                          <m:sub>
+                            <m:sSup>
+                              <m:sSupPr>
+                                <m:ctrlPr>
+                                  <a:rPr lang="en-US" i="1">
+                                    <a:latin typeface="Cambria Math" panose="02040503050406030204" pitchFamily="18" charset="0"/>
+                                  </a:rPr>
+                                </m:ctrlPr>
+                              </m:sSupPr>
+                              <m:e>
+                                <m:r>
+                                  <a:rPr lang="en-US" i="1">
+                                    <a:latin typeface="Cambria Math" panose="02040503050406030204" pitchFamily="18" charset="0"/>
+                                  </a:rPr>
+                                  <m:t>𝑖</m:t>
+                                </m:r>
+                              </m:e>
+                              <m:sup>
+                                <m:r>
+                                  <a:rPr lang="en-US" i="1">
+                                    <a:latin typeface="Cambria Math" panose="02040503050406030204" pitchFamily="18" charset="0"/>
+                                  </a:rPr>
+                                  <m:t>′</m:t>
+                                </m:r>
+                              </m:sup>
+                            </m:sSup>
+                          </m:sub>
+                        </m:sSub>
+                      </m:e>
+                    </m:d>
+                  </m:oMath>
+                </a14:m>
+                <a:r>
+                  <a:rPr lang="en-US" dirty="0" smtClean="0"/>
+                  <a:t> for all </a:t>
+                </a:r>
+                <a14:m>
+                  <m:oMath xmlns:m="http://schemas.openxmlformats.org/officeDocument/2006/math">
+                    <m:d>
+                      <m:dPr>
+                        <m:ctrlPr>
+                          <a:rPr lang="en-US" i="1">
+                            <a:latin typeface="Cambria Math" panose="02040503050406030204" pitchFamily="18" charset="0"/>
+                          </a:rPr>
+                        </m:ctrlPr>
+                      </m:dPr>
+                      <m:e>
+                        <m:eqArr>
+                          <m:eqArrPr>
+                            <m:ctrlPr>
+                              <a:rPr lang="en-US" i="1">
+                                <a:latin typeface="Cambria Math" panose="02040503050406030204" pitchFamily="18" charset="0"/>
+                              </a:rPr>
+                            </m:ctrlPr>
+                          </m:eqArrPr>
+                          <m:e>
+                            <m:r>
+                              <a:rPr lang="en-US" i="1">
+                                <a:latin typeface="Cambria Math" panose="02040503050406030204" pitchFamily="18" charset="0"/>
+                              </a:rPr>
+                              <m:t>𝑛</m:t>
+                            </m:r>
+                          </m:e>
+                          <m:e>
+                            <m:r>
+                              <a:rPr lang="en-US" i="1">
+                                <a:latin typeface="Cambria Math" panose="02040503050406030204" pitchFamily="18" charset="0"/>
+                              </a:rPr>
+                              <m:t>2</m:t>
+                            </m:r>
+                          </m:e>
+                        </m:eqArr>
+                      </m:e>
+                    </m:d>
+                  </m:oMath>
+                </a14:m>
+                <a:r>
+                  <a:rPr lang="en-US" dirty="0" smtClean="0"/>
+                  <a:t> distinct pairs</a:t>
+                </a:r>
+                <a:r>
+                  <a:rPr lang="en-US" i="1" dirty="0" smtClean="0"/>
+                  <a:t>, </a:t>
+                </a:r>
+                <a14:m>
+                  <m:oMath xmlns:m="http://schemas.openxmlformats.org/officeDocument/2006/math">
+                    <m:r>
+                      <a:rPr lang="en-US" b="0" i="1" smtClean="0">
+                        <a:latin typeface="Cambria Math" panose="02040503050406030204" pitchFamily="18" charset="0"/>
+                      </a:rPr>
+                      <m:t>𝑖</m:t>
+                    </m:r>
+                    <m:r>
+                      <a:rPr lang="en-US" b="0" i="1" smtClean="0">
+                        <a:latin typeface="Cambria Math" panose="02040503050406030204" pitchFamily="18" charset="0"/>
+                      </a:rPr>
+                      <m:t>,</m:t>
+                    </m:r>
+                    <m:sSup>
+                      <m:sSupPr>
+                        <m:ctrlPr>
+                          <a:rPr lang="en-US" i="1">
+                            <a:latin typeface="Cambria Math" panose="02040503050406030204" pitchFamily="18" charset="0"/>
+                          </a:rPr>
+                        </m:ctrlPr>
+                      </m:sSupPr>
+                      <m:e>
+                        <m:r>
+                          <a:rPr lang="en-US" i="1">
+                            <a:latin typeface="Cambria Math" panose="02040503050406030204" pitchFamily="18" charset="0"/>
+                          </a:rPr>
+                          <m:t>𝑖</m:t>
+                        </m:r>
+                      </m:e>
+                      <m:sup>
+                        <m:r>
+                          <a:rPr lang="en-US" i="1">
+                            <a:latin typeface="Cambria Math" panose="02040503050406030204" pitchFamily="18" charset="0"/>
+                          </a:rPr>
+                          <m:t>′</m:t>
+                        </m:r>
+                      </m:sup>
+                    </m:sSup>
+                  </m:oMath>
+                </a14:m>
+                <a:r>
+                  <a:rPr lang="en-US" dirty="0" smtClean="0"/>
+                  <a:t>, which can be done </a:t>
+                </a:r>
+                <a:r>
+                  <a:rPr lang="en-US" dirty="0"/>
+                  <a:t>without explicitly working in the enlarged feature space</a:t>
+                </a:r>
+                <a:r>
+                  <a:rPr lang="en-US" dirty="0" smtClean="0"/>
+                  <a:t>.</a:t>
+                </a:r>
+              </a:p>
+              <a:p>
+                <a:r>
+                  <a:rPr lang="en-US" dirty="0" smtClean="0"/>
+                  <a:t>This </a:t>
+                </a:r>
+                <a:r>
+                  <a:rPr lang="en-US" dirty="0"/>
+                  <a:t>is </a:t>
+                </a:r>
+                <a:r>
+                  <a:rPr lang="en-US" dirty="0" smtClean="0"/>
+                  <a:t>important because </a:t>
+                </a:r>
+                <a:r>
+                  <a:rPr lang="en-US" dirty="0"/>
+                  <a:t>in many applications of SVMs, the enlarged feature </a:t>
+                </a:r>
+                <a:r>
+                  <a:rPr lang="en-US" dirty="0" smtClean="0"/>
+                  <a:t>space is </a:t>
+                </a:r>
+                <a:r>
+                  <a:rPr lang="en-US" dirty="0"/>
+                  <a:t>so large that computations are intractable. </a:t>
+                </a:r>
+                <a:endParaRPr lang="en-US" dirty="0" smtClean="0"/>
+              </a:p>
+            </p:txBody>
+          </p:sp>
+        </mc:Choice>
+        <mc:Fallback>
+          <p:sp>
+            <p:nvSpPr>
+              <p:cNvPr id="3" name="Content Placeholder 2"/>
+              <p:cNvSpPr>
+                <a:spLocks noGrp="1" noRot="1" noChangeAspect="1" noMove="1" noResize="1" noEditPoints="1" noAdjustHandles="1" noChangeArrowheads="1" noChangeShapeType="1" noTextEdit="1"/>
+              </p:cNvSpPr>
+              <p:nvPr>
+                <p:ph idx="1"/>
+              </p:nvPr>
+            </p:nvSpPr>
+            <p:spPr>
+              <a:blipFill>
+                <a:blip r:embed="rId2"/>
+                <a:stretch>
+                  <a:fillRect l="-1647" t="-2990" r="-2275"/>
+                </a:stretch>
+              </a:blipFill>
+            </p:spPr>
+            <p:txBody>
+              <a:bodyPr/>
+              <a:lstStyle/>
+              <a:p>
+                <a:r>
+                  <a:rPr lang="en-US">
+                    <a:noFill/>
+                  </a:rPr>
+                  <a:t> </a:t>
+                </a:r>
+              </a:p>
+            </p:txBody>
+          </p:sp>
+        </mc:Fallback>
+      </mc:AlternateContent>
+    </p:spTree>
+    <p:extLst>
+      <p:ext uri="{BB962C8B-B14F-4D97-AF65-F5344CB8AC3E}">
+        <p14:creationId xmlns:p14="http://schemas.microsoft.com/office/powerpoint/2010/main" val="384658181"/>
+      </p:ext>
+    </p:extLst>
+  </p:cSld>
+  <p:clrMapOvr>
+    <a:masterClrMapping/>
+  </p:clrMapOvr>
+  <p:transition/>
+  <p:timing>
+    <p:tnLst>
+      <p:par>
+        <p:cTn id="1" dur="indefinite" restart="never" nodeType="tmRoot"/>
+      </p:par>
+    </p:tnLst>
+  </p:timing>
+</p:sld>
+</file>
+
 <file path=ppt/slides/slide15.xml><?xml version="1.0" encoding="utf-8"?>
 <p:sld xmlns:a="http://schemas.openxmlformats.org/drawingml/2006/main" xmlns:r="http://schemas.openxmlformats.org/officeDocument/2006/relationships" xmlns:p="http://schemas.openxmlformats.org/presentationml/2006/main">
   <p:cSld>
@@ -7832,26 +7768,22 @@
             </a:r>
             <a:r>
               <a:rPr lang="en-US" dirty="0" smtClean="0"/>
-              <a:t>=10,000?) and an observation is a document in the corpus. The predictors are y/n for each word, which can be very </a:t>
+              <a:t>=10,000?) and an observation is a document in the corpus. The predictors are y/n for each word, which can be very sparse in the </a:t>
             </a:r>
             <a:r>
               <a:rPr lang="en-US" dirty="0" smtClean="0"/>
-              <a:t>sparse in the y’s. </a:t>
+              <a:t>yes’s</a:t>
+            </a:r>
+            <a:r>
+              <a:rPr lang="en-US" dirty="0" smtClean="0"/>
+              <a:t>. </a:t>
             </a:r>
           </a:p>
           <a:p>
             <a:pPr lvl="1"/>
             <a:r>
               <a:rPr lang="en-US" dirty="0" smtClean="0"/>
-              <a:t>And there </a:t>
-            </a:r>
-            <a:r>
-              <a:rPr lang="en-US" dirty="0" smtClean="0"/>
-              <a:t>may </a:t>
-            </a:r>
-            <a:r>
-              <a:rPr lang="en-US" dirty="0" smtClean="0"/>
-              <a:t>only be </a:t>
+              <a:t>And there may only be </a:t>
             </a:r>
             <a:r>
               <a:rPr lang="en-US" i="1" dirty="0" smtClean="0"/>
@@ -7986,15 +7918,7 @@
             <a:pPr lvl="1"/>
             <a:r>
               <a:rPr lang="en-US" dirty="0" smtClean="0"/>
-              <a:t>In such cases, variance is not major concern, so a low-bias approach usually </a:t>
-            </a:r>
-            <a:r>
-              <a:rPr lang="en-US" dirty="0" smtClean="0"/>
-              <a:t>produces better </a:t>
-            </a:r>
-            <a:r>
-              <a:rPr lang="en-US" dirty="0" smtClean="0"/>
-              <a:t>outcomes.</a:t>
+              <a:t>In such cases, variance is not major concern, so a low-bias approach usually produces better outcomes.</a:t>
             </a:r>
           </a:p>
           <a:p>
@@ -8112,7 +8036,15 @@
             <a:pPr lvl="1"/>
             <a:r>
               <a:rPr lang="en-US" dirty="0" smtClean="0"/>
-              <a:t>In practice, although other kernels exist, they are very seldom used for SVM’s. </a:t>
+              <a:t>In practice, although </a:t>
+            </a:r>
+            <a:r>
+              <a:rPr lang="en-US" dirty="0" smtClean="0"/>
+              <a:t>many other </a:t>
+            </a:r>
+            <a:r>
+              <a:rPr lang="en-US" dirty="0" smtClean="0"/>
+              <a:t>kernels exist, they are very seldom used for SVM’s. </a:t>
             </a:r>
           </a:p>
           <a:p>
@@ -8167,11 +8099,7 @@
             </a:r>
             <a:r>
               <a:rPr lang="en-US" dirty="0" smtClean="0"/>
-              <a:t>for an extensive </a:t>
-            </a:r>
-            <a:r>
-              <a:rPr lang="en-US" dirty="0" smtClean="0"/>
-              <a:t>list of kernels.</a:t>
+              <a:t>for an extensive list of kernels.</a:t>
             </a:r>
             <a:endParaRPr lang="en-US" dirty="0"/>
           </a:p>
@@ -10003,8 +9931,8 @@
           </a:p>
         </p:txBody>
       </p:sp>
-      <mc:AlternateContent xmlns:mc="http://schemas.openxmlformats.org/markup-compatibility/2006">
-        <mc:Choice xmlns:a14="http://schemas.microsoft.com/office/drawing/2010/main" Requires="a14">
+      <mc:AlternateContent xmlns:mc="http://schemas.openxmlformats.org/markup-compatibility/2006" xmlns:a14="http://schemas.microsoft.com/office/drawing/2010/main">
+        <mc:Choice Requires="a14">
           <p:sp>
             <p:nvSpPr>
               <p:cNvPr id="3" name="Content Placeholder 2"/>
@@ -10351,7 +10279,7 @@
             </p:txBody>
           </p:sp>
         </mc:Choice>
-        <mc:Fallback>
+        <mc:Fallback xmlns="">
           <p:sp>
             <p:nvSpPr>
               <p:cNvPr id="3" name="Content Placeholder 2"/>
@@ -10450,8 +10378,8 @@
           </a:p>
         </p:txBody>
       </p:sp>
-      <mc:AlternateContent xmlns:mc="http://schemas.openxmlformats.org/markup-compatibility/2006">
-        <mc:Choice xmlns:a14="http://schemas.microsoft.com/office/drawing/2010/main" Requires="a14">
+      <mc:AlternateContent xmlns:mc="http://schemas.openxmlformats.org/markup-compatibility/2006" xmlns:a14="http://schemas.microsoft.com/office/drawing/2010/main">
+        <mc:Choice Requires="a14">
           <p:sp>
             <p:nvSpPr>
               <p:cNvPr id="3" name="Content Placeholder 2"/>
@@ -11001,12 +10929,11 @@
                   <a:rPr lang="en-US" dirty="0"/>
                   <a:t>th class rather than to any of the other classes.</a:t>
                 </a:r>
-                <a:endParaRPr lang="en-US" dirty="0"/>
               </a:p>
             </p:txBody>
           </p:sp>
         </mc:Choice>
-        <mc:Fallback>
+        <mc:Fallback xmlns="">
           <p:sp>
             <p:nvSpPr>
               <p:cNvPr id="3" name="Content Placeholder 2"/>
@@ -11102,7 +11029,6 @@
               <a:rPr lang="en-US" dirty="0"/>
               <a:t>Relationship to Logistic Regression</a:t>
             </a:r>
-            <a:endParaRPr lang="en-US" dirty="0"/>
           </a:p>
         </p:txBody>
       </p:sp>
@@ -11119,7 +11045,7 @@
         <p:spPr/>
         <p:txBody>
           <a:bodyPr>
-            <a:normAutofit fontScale="77500" lnSpcReduction="20000"/>
+            <a:normAutofit fontScale="85000" lnSpcReduction="20000"/>
           </a:bodyPr>
           <a:lstStyle/>
           <a:p>
@@ -11160,7 +11086,15 @@
             </a:r>
             <a:r>
               <a:rPr lang="en-US" dirty="0"/>
-              <a:t>part to their good performance, good marketing, and also to the </a:t>
+              <a:t>part to their good </a:t>
+            </a:r>
+            <a:r>
+              <a:rPr lang="en-US" dirty="0" smtClean="0"/>
+              <a:t>performance, </a:t>
+            </a:r>
+            <a:r>
+              <a:rPr lang="en-US" dirty="0"/>
+              <a:t>and also to the </a:t>
             </a:r>
             <a:r>
               <a:rPr lang="en-US" dirty="0" smtClean="0"/>
@@ -11173,6 +11107,7 @@
             <a:endParaRPr lang="en-US" dirty="0" smtClean="0"/>
           </a:p>
           <a:p>
+            <a:pPr lvl="1"/>
             <a:r>
               <a:rPr lang="en-US" dirty="0" smtClean="0"/>
               <a:t>The idea of </a:t>
@@ -11240,7 +11175,6 @@
               <a:rPr lang="en-US" dirty="0"/>
               <a:t>be a unique and valuable characteristic.</a:t>
             </a:r>
-            <a:endParaRPr lang="en-US" dirty="0"/>
           </a:p>
         </p:txBody>
       </p:sp>
@@ -11306,12 +11240,11 @@
               <a:rPr lang="en-US" dirty="0"/>
               <a:t>Relationship to Logistic Regression</a:t>
             </a:r>
-            <a:endParaRPr lang="en-US" dirty="0"/>
           </a:p>
         </p:txBody>
       </p:sp>
-      <mc:AlternateContent xmlns:mc="http://schemas.openxmlformats.org/markup-compatibility/2006">
-        <mc:Choice xmlns:a14="http://schemas.microsoft.com/office/drawing/2010/main" Requires="a14">
+      <mc:AlternateContent xmlns:mc="http://schemas.openxmlformats.org/markup-compatibility/2006" xmlns:a14="http://schemas.microsoft.com/office/drawing/2010/main">
+        <mc:Choice Requires="a14">
           <p:sp>
             <p:nvSpPr>
               <p:cNvPr id="3" name="Content Placeholder 2"/>
@@ -11654,7 +11587,7 @@
             </p:txBody>
           </p:sp>
         </mc:Choice>
-        <mc:Fallback>
+        <mc:Fallback xmlns="">
           <p:sp>
             <p:nvSpPr>
               <p:cNvPr id="3" name="Content Placeholder 2"/>
@@ -11795,8 +11728,13 @@
           <a:p>
             <a:r>
               <a:rPr lang="en-US" dirty="0" smtClean="0"/>
-              <a:t>That is,…</a:t>
-            </a:r>
+              <a:t>That is</a:t>
+            </a:r>
+            <a:r>
+              <a:rPr lang="en-US" dirty="0" smtClean="0"/>
+              <a:t>, the original formulation…</a:t>
+            </a:r>
+            <a:endParaRPr lang="en-US" dirty="0" smtClean="0"/>
           </a:p>
           <a:p>
             <a:endParaRPr lang="en-US" dirty="0" smtClean="0"/>
@@ -11826,7 +11764,15 @@
             </a:pPr>
             <a:r>
               <a:rPr lang="en-US" dirty="0" smtClean="0"/>
-              <a:t>    is equivalent to the original formulation</a:t>
+              <a:t>    is equivalent to the </a:t>
+            </a:r>
+            <a:r>
+              <a:rPr lang="en-US" dirty="0" smtClean="0"/>
+              <a:t>re-formulation</a:t>
+            </a:r>
+            <a:r>
+              <a:rPr lang="en-US" dirty="0" smtClean="0"/>
+              <a:t/>
             </a:r>
             <a:br>
               <a:rPr lang="en-US" dirty="0" smtClean="0"/>
@@ -11838,8 +11784,8 @@
           </a:p>
         </p:txBody>
       </p:sp>
-      <mc:AlternateContent xmlns:mc="http://schemas.openxmlformats.org/markup-compatibility/2006">
-        <mc:Choice xmlns:a14="http://schemas.microsoft.com/office/drawing/2010/main" Requires="a14">
+      <mc:AlternateContent xmlns:mc="http://schemas.openxmlformats.org/markup-compatibility/2006" xmlns:a14="http://schemas.microsoft.com/office/drawing/2010/main">
+        <mc:Choice Requires="a14">
           <p:sp>
             <p:nvSpPr>
               <p:cNvPr id="6" name="Rectangle 5"/>
@@ -11861,6 +11807,7 @@
               </a:bodyPr>
               <a:lstStyle/>
               <a:p>
+                <a:pPr/>
                 <a14:m>
                   <m:oMathPara xmlns:m="http://schemas.openxmlformats.org/officeDocument/2006/math">
                     <m:oMathParaPr>
@@ -11933,7 +11880,7 @@
             </p:txBody>
           </p:sp>
         </mc:Choice>
-        <mc:Fallback>
+        <mc:Fallback xmlns="">
           <p:sp>
             <p:nvSpPr>
               <p:cNvPr id="6" name="Rectangle 5"/>
@@ -11972,8 +11919,8 @@
           </p:sp>
         </mc:Fallback>
       </mc:AlternateContent>
-      <mc:AlternateContent xmlns:mc="http://schemas.openxmlformats.org/markup-compatibility/2006">
-        <mc:Choice xmlns:a14="http://schemas.microsoft.com/office/drawing/2010/main" Requires="a14">
+      <mc:AlternateContent xmlns:mc="http://schemas.openxmlformats.org/markup-compatibility/2006" xmlns:a14="http://schemas.microsoft.com/office/drawing/2010/main">
+        <mc:Choice Requires="a14">
           <p:sp>
             <p:nvSpPr>
               <p:cNvPr id="7" name="Rectangle 6"/>
@@ -11995,6 +11942,7 @@
               </a:bodyPr>
               <a:lstStyle/>
               <a:p>
+                <a:pPr/>
                 <a14:m>
                   <m:oMathPara xmlns:m="http://schemas.openxmlformats.org/officeDocument/2006/math">
                     <m:oMathParaPr>
@@ -12092,13 +12040,7 @@
                                     <a:rPr lang="en-US" sz="2200" i="1">
                                       <a:latin typeface="Cambria Math" panose="02040503050406030204" pitchFamily="18" charset="0"/>
                                     </a:rPr>
-                                    <m:t>0,1</m:t>
-                                  </m:r>
-                                  <m:r>
-                                    <a:rPr lang="en-US" sz="2200" i="1">
-                                      <a:latin typeface="Cambria Math" panose="02040503050406030204" pitchFamily="18" charset="0"/>
-                                    </a:rPr>
-                                    <m:t>−</m:t>
+                                    <m:t>0,1−</m:t>
                                   </m:r>
                                   <m:sSub>
                                     <m:sSubPr>
@@ -12446,7 +12388,7 @@
             </p:txBody>
           </p:sp>
         </mc:Choice>
-        <mc:Fallback>
+        <mc:Fallback xmlns="">
           <p:sp>
             <p:nvSpPr>
               <p:cNvPr id="7" name="Rectangle 6"/>
@@ -12485,8 +12427,8 @@
           </p:sp>
         </mc:Fallback>
       </mc:AlternateContent>
-      <mc:AlternateContent xmlns:mc="http://schemas.openxmlformats.org/markup-compatibility/2006">
-        <mc:Choice xmlns:a14="http://schemas.microsoft.com/office/drawing/2010/main" Requires="a14">
+      <mc:AlternateContent xmlns:mc="http://schemas.openxmlformats.org/markup-compatibility/2006" xmlns:a14="http://schemas.microsoft.com/office/drawing/2010/main">
+        <mc:Choice Requires="a14">
           <p:sp>
             <p:nvSpPr>
               <p:cNvPr id="10" name="Rectangle 9"/>
@@ -12508,6 +12450,7 @@
               </a:bodyPr>
               <a:lstStyle/>
               <a:p>
+                <a:pPr/>
                 <a14:m>
                   <m:oMathPara xmlns:m="http://schemas.openxmlformats.org/officeDocument/2006/math">
                     <m:oMathParaPr>
@@ -12666,13 +12609,7 @@
                                   <a:rPr lang="en-US" sz="2200" i="1">
                                     <a:latin typeface="Cambria Math" panose="02040503050406030204" pitchFamily="18" charset="0"/>
                                   </a:rPr>
-                                  <m:t>,</m:t>
-                                </m:r>
-                                <m:r>
-                                  <a:rPr lang="en-US" sz="2200" i="1">
-                                    <a:latin typeface="Cambria Math" panose="02040503050406030204" pitchFamily="18" charset="0"/>
-                                  </a:rPr>
-                                  <m:t>…,</m:t>
+                                  <m:t>,…,</m:t>
                                 </m:r>
                                 <m:sSub>
                                   <m:sSubPr>
@@ -13044,13 +12981,7 @@
                                           <a:rPr lang="en-US" sz="2200" i="1">
                                             <a:latin typeface="Cambria Math" panose="02040503050406030204" pitchFamily="18" charset="0"/>
                                           </a:rPr>
-                                          <m:t>𝑖</m:t>
-                                        </m:r>
-                                        <m:r>
-                                          <a:rPr lang="en-US" sz="2200" i="1">
-                                            <a:latin typeface="Cambria Math" panose="02040503050406030204" pitchFamily="18" charset="0"/>
-                                          </a:rPr>
-                                          <m:t>𝑝</m:t>
+                                          <m:t>𝑖𝑝</m:t>
                                         </m:r>
                                       </m:sub>
                                     </m:sSub>
@@ -13252,7 +13183,7 @@
             </p:txBody>
           </p:sp>
         </mc:Choice>
-        <mc:Fallback>
+        <mc:Fallback xmlns="">
           <p:sp>
             <p:nvSpPr>
               <p:cNvPr id="10" name="Rectangle 9"/>
@@ -13395,11 +13326,7 @@
           <a:p>
             <a:r>
               <a:rPr lang="en-US" dirty="0"/>
-              <a:t>Note that this term is </a:t>
-            </a:r>
-            <a:r>
-              <a:rPr lang="en-US" dirty="0"/>
-              <a:t>the ridge penalty </a:t>
+              <a:t>Note that this term is the ridge penalty </a:t>
             </a:r>
             <a:r>
               <a:rPr lang="en-US" dirty="0" smtClean="0"/>
@@ -13415,11 +13342,7 @@
             </a:r>
             <a:r>
               <a:rPr lang="en-US" dirty="0"/>
-              <a:t>, </a:t>
-            </a:r>
-            <a:r>
-              <a:rPr lang="en-US" dirty="0"/>
-              <a:t>and plays a similar role in controlling the </a:t>
+              <a:t>, and plays a similar role in controlling the </a:t>
             </a:r>
             <a:r>
               <a:rPr lang="en-US" dirty="0" smtClean="0"/>
@@ -13437,7 +13360,6 @@
               <a:rPr lang="en-US" dirty="0"/>
               <a:t>.</a:t>
             </a:r>
-            <a:endParaRPr lang="en-US" dirty="0"/>
           </a:p>
         </p:txBody>
       </p:sp>
@@ -13567,8 +13489,8 @@
           </a:p>
         </p:txBody>
       </p:sp>
-      <mc:AlternateContent xmlns:mc="http://schemas.openxmlformats.org/markup-compatibility/2006">
-        <mc:Choice xmlns:a14="http://schemas.microsoft.com/office/drawing/2010/main" Requires="a14">
+      <mc:AlternateContent xmlns:mc="http://schemas.openxmlformats.org/markup-compatibility/2006" xmlns:a14="http://schemas.microsoft.com/office/drawing/2010/main">
+        <mc:Choice Requires="a14">
           <p:sp>
             <p:nvSpPr>
               <p:cNvPr id="6" name="Rectangle 5"/>
@@ -13590,6 +13512,7 @@
               </a:bodyPr>
               <a:lstStyle/>
               <a:p>
+                <a:pPr/>
                 <a14:m>
                   <m:oMathPara xmlns:m="http://schemas.openxmlformats.org/officeDocument/2006/math">
                     <m:oMathParaPr>
@@ -13662,7 +13585,7 @@
             </p:txBody>
           </p:sp>
         </mc:Choice>
-        <mc:Fallback>
+        <mc:Fallback xmlns="">
           <p:sp>
             <p:nvSpPr>
               <p:cNvPr id="6" name="Rectangle 5"/>
@@ -13701,8 +13624,8 @@
           </p:sp>
         </mc:Fallback>
       </mc:AlternateContent>
-      <mc:AlternateContent xmlns:mc="http://schemas.openxmlformats.org/markup-compatibility/2006">
-        <mc:Choice xmlns:a14="http://schemas.microsoft.com/office/drawing/2010/main" Requires="a14">
+      <mc:AlternateContent xmlns:mc="http://schemas.openxmlformats.org/markup-compatibility/2006" xmlns:a14="http://schemas.microsoft.com/office/drawing/2010/main">
+        <mc:Choice Requires="a14">
           <p:sp>
             <p:nvSpPr>
               <p:cNvPr id="7" name="Rectangle 6"/>
@@ -13724,6 +13647,7 @@
               </a:bodyPr>
               <a:lstStyle/>
               <a:p>
+                <a:pPr/>
                 <a14:m>
                   <m:oMathPara xmlns:m="http://schemas.openxmlformats.org/officeDocument/2006/math">
                     <m:oMathParaPr>
@@ -13821,13 +13745,7 @@
                                     <a:rPr lang="en-US" sz="2200" i="1">
                                       <a:latin typeface="Cambria Math" panose="02040503050406030204" pitchFamily="18" charset="0"/>
                                     </a:rPr>
-                                    <m:t>0,1</m:t>
-                                  </m:r>
-                                  <m:r>
-                                    <a:rPr lang="en-US" sz="2200" i="1">
-                                      <a:latin typeface="Cambria Math" panose="02040503050406030204" pitchFamily="18" charset="0"/>
-                                    </a:rPr>
-                                    <m:t>−</m:t>
+                                    <m:t>0,1−</m:t>
                                   </m:r>
                                   <m:sSub>
                                     <m:sSubPr>
@@ -14175,7 +14093,7 @@
             </p:txBody>
           </p:sp>
         </mc:Choice>
-        <mc:Fallback>
+        <mc:Fallback xmlns="">
           <p:sp>
             <p:nvSpPr>
               <p:cNvPr id="7" name="Rectangle 6"/>
@@ -14214,8 +14132,8 @@
           </p:sp>
         </mc:Fallback>
       </mc:AlternateContent>
-      <mc:AlternateContent xmlns:mc="http://schemas.openxmlformats.org/markup-compatibility/2006">
-        <mc:Choice xmlns:a14="http://schemas.microsoft.com/office/drawing/2010/main" Requires="a14">
+      <mc:AlternateContent xmlns:mc="http://schemas.openxmlformats.org/markup-compatibility/2006" xmlns:a14="http://schemas.microsoft.com/office/drawing/2010/main">
+        <mc:Choice Requires="a14">
           <p:sp>
             <p:nvSpPr>
               <p:cNvPr id="10" name="Rectangle 9"/>
@@ -14237,6 +14155,7 @@
               </a:bodyPr>
               <a:lstStyle/>
               <a:p>
+                <a:pPr/>
                 <a14:m>
                   <m:oMathPara xmlns:m="http://schemas.openxmlformats.org/officeDocument/2006/math">
                     <m:oMathParaPr>
@@ -14395,13 +14314,7 @@
                                   <a:rPr lang="en-US" sz="2200" i="1">
                                     <a:latin typeface="Cambria Math" panose="02040503050406030204" pitchFamily="18" charset="0"/>
                                   </a:rPr>
-                                  <m:t>,</m:t>
-                                </m:r>
-                                <m:r>
-                                  <a:rPr lang="en-US" sz="2200" i="1">
-                                    <a:latin typeface="Cambria Math" panose="02040503050406030204" pitchFamily="18" charset="0"/>
-                                  </a:rPr>
-                                  <m:t>…,</m:t>
+                                  <m:t>,…,</m:t>
                                 </m:r>
                                 <m:sSub>
                                   <m:sSubPr>
@@ -14773,13 +14686,7 @@
                                           <a:rPr lang="en-US" sz="2200" i="1">
                                             <a:latin typeface="Cambria Math" panose="02040503050406030204" pitchFamily="18" charset="0"/>
                                           </a:rPr>
-                                          <m:t>𝑖</m:t>
-                                        </m:r>
-                                        <m:r>
-                                          <a:rPr lang="en-US" sz="2200" i="1">
-                                            <a:latin typeface="Cambria Math" panose="02040503050406030204" pitchFamily="18" charset="0"/>
-                                          </a:rPr>
-                                          <m:t>𝑝</m:t>
+                                          <m:t>𝑖𝑝</m:t>
                                         </m:r>
                                       </m:sub>
                                     </m:sSub>
@@ -14981,7 +14888,7 @@
             </p:txBody>
           </p:sp>
         </mc:Choice>
-        <mc:Fallback>
+        <mc:Fallback xmlns="">
           <p:sp>
             <p:nvSpPr>
               <p:cNvPr id="10" name="Rectangle 9"/>
@@ -15272,7 +15179,6 @@
               <a:rPr lang="en-US" dirty="0"/>
               <a:t>Relationship to Logistic Regression</a:t>
             </a:r>
-            <a:endParaRPr lang="en-US" dirty="0"/>
           </a:p>
         </p:txBody>
       </p:sp>
@@ -15692,12 +15598,11 @@
               <a:rPr lang="en-US" dirty="0"/>
               <a:t>Relationship to Logistic Regression</a:t>
             </a:r>
-            <a:endParaRPr lang="en-US" dirty="0"/>
           </a:p>
         </p:txBody>
       </p:sp>
-      <mc:AlternateContent xmlns:mc="http://schemas.openxmlformats.org/markup-compatibility/2006">
-        <mc:Choice xmlns:a14="http://schemas.microsoft.com/office/drawing/2010/main" Requires="a14">
+      <mc:AlternateContent xmlns:mc="http://schemas.openxmlformats.org/markup-compatibility/2006" xmlns:a14="http://schemas.microsoft.com/office/drawing/2010/main">
+        <mc:Choice Requires="a14">
           <p:sp>
             <p:nvSpPr>
               <p:cNvPr id="3" name="Content Placeholder 2"/>
@@ -15995,7 +15900,7 @@
             </p:txBody>
           </p:sp>
         </mc:Choice>
-        <mc:Fallback>
+        <mc:Fallback xmlns="">
           <p:sp>
             <p:nvSpPr>
               <p:cNvPr id="3" name="Content Placeholder 2"/>
@@ -16053,8 +15958,8 @@
           </a:prstGeom>
         </p:spPr>
       </p:pic>
-      <mc:AlternateContent xmlns:mc="http://schemas.openxmlformats.org/markup-compatibility/2006">
-        <mc:Choice xmlns:a14="http://schemas.microsoft.com/office/drawing/2010/main" Requires="a14">
+      <mc:AlternateContent xmlns:mc="http://schemas.openxmlformats.org/markup-compatibility/2006" xmlns:a14="http://schemas.microsoft.com/office/drawing/2010/main">
+        <mc:Choice Requires="a14">
           <p:sp>
             <p:nvSpPr>
               <p:cNvPr id="6" name="Rectangle 5"/>
@@ -16076,6 +15981,7 @@
               </a:bodyPr>
               <a:lstStyle/>
               <a:p>
+                <a:pPr/>
                 <a14:m>
                   <m:oMathPara xmlns:m="http://schemas.openxmlformats.org/officeDocument/2006/math">
                     <m:oMathParaPr>
@@ -16454,7 +16360,7 @@
             </p:txBody>
           </p:sp>
         </mc:Choice>
-        <mc:Fallback>
+        <mc:Fallback xmlns="">
           <p:sp>
             <p:nvSpPr>
               <p:cNvPr id="6" name="Rectangle 5"/>
@@ -16555,7 +16461,6 @@
               <a:rPr lang="en-US" dirty="0"/>
               <a:t>Relationship to Logistic Regression</a:t>
             </a:r>
-            <a:endParaRPr lang="en-US" dirty="0"/>
           </a:p>
         </p:txBody>
       </p:sp>
@@ -16643,8 +16548,8 @@
             </p:nvSpPr>
             <p:spPr>
               <a:xfrm>
-                <a:off x="5365630" y="1336124"/>
-                <a:ext cx="3700731" cy="773353"/>
+                <a:off x="5201728" y="1336124"/>
+                <a:ext cx="3864633" cy="773353"/>
               </a:xfrm>
               <a:prstGeom prst="rect">
                 <a:avLst/>
@@ -16672,10 +16577,11 @@
                     <m:sSub>
                       <m:sSubPr>
                         <m:ctrlPr>
-                          <a:rPr lang="en-US" sz="1400">
+                          <a:rPr lang="en-US" sz="1400" i="1">
                             <a:solidFill>
                               <a:srgbClr val="FFFF00"/>
                             </a:solidFill>
+                            <a:latin typeface="Cambria Math" panose="02040503050406030204" pitchFamily="18" charset="0"/>
                           </a:rPr>
                         </m:ctrlPr>
                       </m:sSubPr>
@@ -16685,6 +16591,7 @@
                             <a:solidFill>
                               <a:srgbClr val="FFFF00"/>
                             </a:solidFill>
+                            <a:latin typeface="Cambria Math" panose="02040503050406030204" pitchFamily="18" charset="0"/>
                           </a:rPr>
                           <m:t>𝑦</m:t>
                         </m:r>
@@ -16695,6 +16602,7 @@
                             <a:solidFill>
                               <a:srgbClr val="FFFF00"/>
                             </a:solidFill>
+                            <a:latin typeface="Cambria Math" panose="02040503050406030204" pitchFamily="18" charset="0"/>
                           </a:rPr>
                           <m:t>𝑖</m:t>
                         </m:r>
@@ -16703,10 +16611,11 @@
                     <m:d>
                       <m:dPr>
                         <m:ctrlPr>
-                          <a:rPr lang="en-US" sz="1400">
+                          <a:rPr lang="en-US" sz="1400" i="1">
                             <a:solidFill>
                               <a:srgbClr val="FFFF00"/>
                             </a:solidFill>
+                            <a:latin typeface="Cambria Math" panose="02040503050406030204" pitchFamily="18" charset="0"/>
                           </a:rPr>
                         </m:ctrlPr>
                       </m:dPr>
@@ -16714,10 +16623,11 @@
                         <m:sSub>
                           <m:sSubPr>
                             <m:ctrlPr>
-                              <a:rPr lang="en-US" sz="1400">
+                              <a:rPr lang="en-US" sz="1400" i="1">
                                 <a:solidFill>
                                   <a:srgbClr val="FFFF00"/>
                                 </a:solidFill>
+                                <a:latin typeface="Cambria Math" panose="02040503050406030204" pitchFamily="18" charset="0"/>
                               </a:rPr>
                             </m:ctrlPr>
                           </m:sSubPr>
@@ -16727,6 +16637,7 @@
                                 <a:solidFill>
                                   <a:srgbClr val="FFFF00"/>
                                 </a:solidFill>
+                                <a:latin typeface="Cambria Math" panose="02040503050406030204" pitchFamily="18" charset="0"/>
                               </a:rPr>
                               <m:t>𝛽</m:t>
                             </m:r>
@@ -16737,6 +16648,7 @@
                                 <a:solidFill>
                                   <a:srgbClr val="FFFF00"/>
                                 </a:solidFill>
+                                <a:latin typeface="Cambria Math" panose="02040503050406030204" pitchFamily="18" charset="0"/>
                               </a:rPr>
                               <m:t>0</m:t>
                             </m:r>
@@ -16747,16 +16659,18 @@
                             <a:solidFill>
                               <a:srgbClr val="FFFF00"/>
                             </a:solidFill>
+                            <a:latin typeface="Cambria Math" panose="02040503050406030204" pitchFamily="18" charset="0"/>
                           </a:rPr>
                           <m:t>+</m:t>
                         </m:r>
                         <m:sSub>
                           <m:sSubPr>
                             <m:ctrlPr>
-                              <a:rPr lang="en-US" sz="1400">
+                              <a:rPr lang="en-US" sz="1400" i="1">
                                 <a:solidFill>
                                   <a:srgbClr val="FFFF00"/>
                                 </a:solidFill>
+                                <a:latin typeface="Cambria Math" panose="02040503050406030204" pitchFamily="18" charset="0"/>
                               </a:rPr>
                             </m:ctrlPr>
                           </m:sSubPr>
@@ -16766,6 +16680,7 @@
                                 <a:solidFill>
                                   <a:srgbClr val="FFFF00"/>
                                 </a:solidFill>
+                                <a:latin typeface="Cambria Math" panose="02040503050406030204" pitchFamily="18" charset="0"/>
                               </a:rPr>
                               <m:t>𝛽</m:t>
                             </m:r>
@@ -16776,6 +16691,7 @@
                                 <a:solidFill>
                                   <a:srgbClr val="FFFF00"/>
                                 </a:solidFill>
+                                <a:latin typeface="Cambria Math" panose="02040503050406030204" pitchFamily="18" charset="0"/>
                               </a:rPr>
                               <m:t>1</m:t>
                             </m:r>
@@ -16784,10 +16700,11 @@
                         <m:sSub>
                           <m:sSubPr>
                             <m:ctrlPr>
-                              <a:rPr lang="en-US" sz="1400">
+                              <a:rPr lang="en-US" sz="1400" i="1">
                                 <a:solidFill>
                                   <a:srgbClr val="FFFF00"/>
                                 </a:solidFill>
+                                <a:latin typeface="Cambria Math" panose="02040503050406030204" pitchFamily="18" charset="0"/>
                               </a:rPr>
                             </m:ctrlPr>
                           </m:sSubPr>
@@ -16797,6 +16714,7 @@
                                 <a:solidFill>
                                   <a:srgbClr val="FFFF00"/>
                                 </a:solidFill>
+                                <a:latin typeface="Cambria Math" panose="02040503050406030204" pitchFamily="18" charset="0"/>
                               </a:rPr>
                               <m:t>𝑥</m:t>
                             </m:r>
@@ -16807,6 +16725,7 @@
                                 <a:solidFill>
                                   <a:srgbClr val="FFFF00"/>
                                 </a:solidFill>
+                                <a:latin typeface="Cambria Math" panose="02040503050406030204" pitchFamily="18" charset="0"/>
                               </a:rPr>
                               <m:t>𝑖</m:t>
                             </m:r>
@@ -16815,6 +16734,7 @@
                                 <a:solidFill>
                                   <a:srgbClr val="FFFF00"/>
                                 </a:solidFill>
+                                <a:latin typeface="Cambria Math" panose="02040503050406030204" pitchFamily="18" charset="0"/>
                               </a:rPr>
                               <m:t>1</m:t>
                             </m:r>
@@ -16825,16 +16745,18 @@
                             <a:solidFill>
                               <a:srgbClr val="FFFF00"/>
                             </a:solidFill>
+                            <a:latin typeface="Cambria Math" panose="02040503050406030204" pitchFamily="18" charset="0"/>
                           </a:rPr>
                           <m:t>+</m:t>
                         </m:r>
                         <m:sSub>
                           <m:sSubPr>
                             <m:ctrlPr>
-                              <a:rPr lang="en-US" sz="1400">
+                              <a:rPr lang="en-US" sz="1400" i="1">
                                 <a:solidFill>
                                   <a:srgbClr val="FFFF00"/>
                                 </a:solidFill>
+                                <a:latin typeface="Cambria Math" panose="02040503050406030204" pitchFamily="18" charset="0"/>
                               </a:rPr>
                             </m:ctrlPr>
                           </m:sSubPr>
@@ -16844,6 +16766,7 @@
                                 <a:solidFill>
                                   <a:srgbClr val="FFFF00"/>
                                 </a:solidFill>
+                                <a:latin typeface="Cambria Math" panose="02040503050406030204" pitchFamily="18" charset="0"/>
                               </a:rPr>
                               <m:t>𝛽</m:t>
                             </m:r>
@@ -16854,6 +16777,7 @@
                                 <a:solidFill>
                                   <a:srgbClr val="FFFF00"/>
                                 </a:solidFill>
+                                <a:latin typeface="Cambria Math" panose="02040503050406030204" pitchFamily="18" charset="0"/>
                               </a:rPr>
                               <m:t>2</m:t>
                             </m:r>
@@ -16862,10 +16786,11 @@
                         <m:sSub>
                           <m:sSubPr>
                             <m:ctrlPr>
-                              <a:rPr lang="en-US" sz="1400">
+                              <a:rPr lang="en-US" sz="1400" i="1">
                                 <a:solidFill>
                                   <a:srgbClr val="FFFF00"/>
                                 </a:solidFill>
+                                <a:latin typeface="Cambria Math" panose="02040503050406030204" pitchFamily="18" charset="0"/>
                               </a:rPr>
                             </m:ctrlPr>
                           </m:sSubPr>
@@ -16875,6 +16800,7 @@
                                 <a:solidFill>
                                   <a:srgbClr val="FFFF00"/>
                                 </a:solidFill>
+                                <a:latin typeface="Cambria Math" panose="02040503050406030204" pitchFamily="18" charset="0"/>
                               </a:rPr>
                               <m:t>𝑥</m:t>
                             </m:r>
@@ -16885,6 +16811,7 @@
                                 <a:solidFill>
                                   <a:srgbClr val="FFFF00"/>
                                 </a:solidFill>
+                                <a:latin typeface="Cambria Math" panose="02040503050406030204" pitchFamily="18" charset="0"/>
                               </a:rPr>
                               <m:t>𝑖</m:t>
                             </m:r>
@@ -16893,6 +16820,7 @@
                                 <a:solidFill>
                                   <a:srgbClr val="FFFF00"/>
                                 </a:solidFill>
+                                <a:latin typeface="Cambria Math" panose="02040503050406030204" pitchFamily="18" charset="0"/>
                               </a:rPr>
                               <m:t>2</m:t>
                             </m:r>
@@ -16903,16 +16831,18 @@
                             <a:solidFill>
                               <a:srgbClr val="FFFF00"/>
                             </a:solidFill>
+                            <a:latin typeface="Cambria Math" panose="02040503050406030204" pitchFamily="18" charset="0"/>
                           </a:rPr>
                           <m:t>+…+</m:t>
                         </m:r>
                         <m:sSub>
                           <m:sSubPr>
                             <m:ctrlPr>
-                              <a:rPr lang="en-US" sz="1400">
+                              <a:rPr lang="en-US" sz="1400" i="1">
                                 <a:solidFill>
                                   <a:srgbClr val="FFFF00"/>
                                 </a:solidFill>
+                                <a:latin typeface="Cambria Math" panose="02040503050406030204" pitchFamily="18" charset="0"/>
                               </a:rPr>
                             </m:ctrlPr>
                           </m:sSubPr>
@@ -16922,6 +16852,7 @@
                                 <a:solidFill>
                                   <a:srgbClr val="FFFF00"/>
                                 </a:solidFill>
+                                <a:latin typeface="Cambria Math" panose="02040503050406030204" pitchFamily="18" charset="0"/>
                               </a:rPr>
                               <m:t>𝛽</m:t>
                             </m:r>
@@ -16932,6 +16863,7 @@
                                 <a:solidFill>
                                   <a:srgbClr val="FFFF00"/>
                                 </a:solidFill>
+                                <a:latin typeface="Cambria Math" panose="02040503050406030204" pitchFamily="18" charset="0"/>
                               </a:rPr>
                               <m:t>𝑝</m:t>
                             </m:r>
@@ -16940,10 +16872,11 @@
                         <m:sSub>
                           <m:sSubPr>
                             <m:ctrlPr>
-                              <a:rPr lang="en-US" sz="1400">
+                              <a:rPr lang="en-US" sz="1400" i="1">
                                 <a:solidFill>
                                   <a:srgbClr val="FFFF00"/>
                                 </a:solidFill>
+                                <a:latin typeface="Cambria Math" panose="02040503050406030204" pitchFamily="18" charset="0"/>
                               </a:rPr>
                             </m:ctrlPr>
                           </m:sSubPr>
@@ -16953,6 +16886,7 @@
                                 <a:solidFill>
                                   <a:srgbClr val="FFFF00"/>
                                 </a:solidFill>
+                                <a:latin typeface="Cambria Math" panose="02040503050406030204" pitchFamily="18" charset="0"/>
                               </a:rPr>
                               <m:t>𝑥</m:t>
                             </m:r>
@@ -16963,6 +16897,7 @@
                                 <a:solidFill>
                                   <a:srgbClr val="FFFF00"/>
                                 </a:solidFill>
+                                <a:latin typeface="Cambria Math" panose="02040503050406030204" pitchFamily="18" charset="0"/>
                               </a:rPr>
                               <m:t>𝑖𝑝</m:t>
                             </m:r>
@@ -16975,6 +16910,7 @@
                         <a:solidFill>
                           <a:srgbClr val="FFFF00"/>
                         </a:solidFill>
+                        <a:latin typeface="Cambria Math" panose="02040503050406030204" pitchFamily="18" charset="0"/>
                       </a:rPr>
                       <m:t>&gt;1</m:t>
                     </m:r>
@@ -17019,8 +16955,8 @@
             </p:nvSpPr>
             <p:spPr>
               <a:xfrm>
-                <a:off x="5365630" y="1336124"/>
-                <a:ext cx="3700731" cy="773353"/>
+                <a:off x="5201728" y="1336124"/>
+                <a:ext cx="3864633" cy="773353"/>
               </a:xfrm>
               <a:prstGeom prst="rect">
                 <a:avLst/>
@@ -17028,7 +16964,7 @@
               <a:blipFill>
                 <a:blip r:embed="rId2"/>
                 <a:stretch>
-                  <a:fillRect l="-494" r="-1153" b="-7874"/>
+                  <a:fillRect l="-473" r="-1577" b="-7087"/>
                 </a:stretch>
               </a:blipFill>
             </p:spPr>
@@ -17133,7 +17069,6 @@
               <a:rPr lang="en-US" dirty="0"/>
               <a:t>Relationship to Logistic Regression</a:t>
             </a:r>
-            <a:endParaRPr lang="en-US" dirty="0"/>
           </a:p>
         </p:txBody>
       </p:sp>
@@ -17319,7 +17254,6 @@
               <a:rPr lang="en-US" dirty="0"/>
               <a:t>Relationship to Logistic Regression</a:t>
             </a:r>
-            <a:endParaRPr lang="en-US" dirty="0"/>
           </a:p>
         </p:txBody>
       </p:sp>
@@ -17342,7 +17276,15 @@
           <a:p>
             <a:r>
               <a:rPr lang="en-US" dirty="0"/>
-              <a:t>We have established that the support vector classifier is closely </a:t>
+              <a:t>We have established that the support vector </a:t>
+            </a:r>
+            <a:r>
+              <a:rPr lang="en-US" u="sng" dirty="0"/>
+              <a:t>classifier</a:t>
+            </a:r>
+            <a:r>
+              <a:rPr lang="en-US" dirty="0"/>
+              <a:t> is closely </a:t>
             </a:r>
             <a:r>
               <a:rPr lang="en-US" dirty="0" smtClean="0"/>
@@ -17460,7 +17402,6 @@
               <a:rPr lang="en-US" dirty="0"/>
               <a:t>.</a:t>
             </a:r>
-            <a:endParaRPr lang="en-US" dirty="0"/>
           </a:p>
         </p:txBody>
       </p:sp>
@@ -17530,7 +17471,6 @@
               <a:rPr lang="en-US" dirty="0"/>
               <a:t>Regression</a:t>
             </a:r>
-            <a:endParaRPr lang="en-US" dirty="0"/>
           </a:p>
         </p:txBody>
       </p:sp>
@@ -18239,7 +18179,7 @@
         </p:blipFill>
         <p:spPr>
           <a:xfrm>
-            <a:off x="1088369" y="4083112"/>
+            <a:off x="1071116" y="4146675"/>
             <a:ext cx="7271281" cy="2711325"/>
           </a:xfrm>
           <a:prstGeom prst="rect">
@@ -18269,7 +18209,7 @@
 </file>
 
 <file path=ppt/slides/slide5.xml><?xml version="1.0" encoding="utf-8"?>
-<p:sld xmlns:a="http://schemas.openxmlformats.org/drawingml/2006/main" xmlns:r="http://schemas.openxmlformats.org/officeDocument/2006/relationships" xmlns:p="http://schemas.openxmlformats.org/presentationml/2006/main">
+<p:sld xmlns:a="http://schemas.openxmlformats.org/drawingml/2006/main" xmlns:r="http://schemas.openxmlformats.org/officeDocument/2006/relationships" xmlns:p="http://schemas.openxmlformats.org/presentationml/2006/main" show="0">
   <p:cSld>
     <p:spTree>
       <p:nvGrpSpPr>
@@ -18327,8 +18267,8 @@
           </a:p>
         </p:txBody>
       </p:sp>
-      <mc:AlternateContent xmlns:mc="http://schemas.openxmlformats.org/markup-compatibility/2006">
-        <mc:Choice xmlns:a14="http://schemas.microsoft.com/office/drawing/2010/main" Requires="a14">
+      <mc:AlternateContent xmlns:mc="http://schemas.openxmlformats.org/markup-compatibility/2006" xmlns:a14="http://schemas.microsoft.com/office/drawing/2010/main">
+        <mc:Choice Requires="a14">
           <p:sp>
             <p:nvSpPr>
               <p:cNvPr id="5" name="Content Placeholder 4"/>
@@ -18590,7 +18530,7 @@
             </p:txBody>
           </p:sp>
         </mc:Choice>
-        <mc:Fallback>
+        <mc:Fallback xmlns="">
           <p:sp>
             <p:nvSpPr>
               <p:cNvPr id="5" name="Content Placeholder 4"/>
@@ -18875,7 +18815,7 @@
             <p:spPr/>
             <p:txBody>
               <a:bodyPr>
-                <a:normAutofit fontScale="92500"/>
+                <a:normAutofit fontScale="92500" lnSpcReduction="10000"/>
               </a:bodyPr>
               <a:lstStyle/>
               <a:p>
@@ -19377,7 +19317,15 @@
               <a:p>
                 <a:r>
                   <a:rPr lang="en-US" dirty="0" smtClean="0"/>
-                  <a:t>Although the proof will not be given here, it turns out that </a:t>
+                  <a:t>Although the proof will not be given here, it turns out </a:t>
+                </a:r>
+                <a:r>
+                  <a:rPr lang="en-US" dirty="0" smtClean="0"/>
+                  <a:t>that </a:t>
+                </a:r>
+                <a:r>
+                  <a:rPr lang="en-US" u="sng" dirty="0" smtClean="0"/>
+                  <a:t>the calculation of </a:t>
                 </a:r>
                 <a:r>
                   <a:rPr lang="en-US" u="sng" dirty="0" smtClean="0"/>
@@ -19441,7 +19389,7 @@
               <a:blipFill>
                 <a:blip r:embed="rId2"/>
                 <a:stretch>
-                  <a:fillRect l="-1647" t="-1329" r="-1647" b="-1993"/>
+                  <a:fillRect l="-1647" t="-2104" r="-1098" b="-111"/>
                 </a:stretch>
               </a:blipFill>
             </p:spPr>
@@ -19554,11 +19502,11 @@
                 </a:r>
                 <a:r>
                   <a:rPr lang="en-US" u="sng" dirty="0" smtClean="0"/>
-                  <a:t>represented</a:t>
-                </a:r>
-                <a:r>
-                  <a:rPr lang="en-US" dirty="0" smtClean="0"/>
-                  <a:t> as:</a:t>
+                  <a:t>represented as</a:t>
+                </a:r>
+                <a:r>
+                  <a:rPr lang="en-US" dirty="0" smtClean="0"/>
+                  <a:t>:</a:t>
                 </a:r>
                 <a:br>
                   <a:rPr lang="en-US" dirty="0" smtClean="0"/>
@@ -20412,8 +20360,8 @@
           </p:sp>
         </mc:Fallback>
       </mc:AlternateContent>
-      <mc:AlternateContent xmlns:mc="http://schemas.openxmlformats.org/markup-compatibility/2006">
-        <mc:Choice xmlns:a14="http://schemas.microsoft.com/office/drawing/2010/main" Requires="a14">
+      <mc:AlternateContent xmlns:mc="http://schemas.openxmlformats.org/markup-compatibility/2006" xmlns:a14="http://schemas.microsoft.com/office/drawing/2010/main">
+        <mc:Choice Requires="a14">
           <p:sp>
             <p:nvSpPr>
               <p:cNvPr id="4" name="TextBox 3"/>
@@ -20523,7 +20471,7 @@
             </p:txBody>
           </p:sp>
         </mc:Choice>
-        <mc:Fallback>
+        <mc:Fallback xmlns="">
           <p:sp>
             <p:nvSpPr>
               <p:cNvPr id="4" name="TextBox 3"/>
@@ -21285,6 +21233,7 @@
                   <a:rPr lang="en-US" dirty="0" smtClean="0"/>
                   <a:t>.</a:t>
                 </a:r>
+                <a:endParaRPr lang="en-US" dirty="0" smtClean="0"/>
               </a:p>
             </p:txBody>
           </p:sp>

--- a/SupportVectorMachines.pptx
+++ b/SupportVectorMachines.pptx
@@ -3764,8 +3764,8 @@
           </a:p>
         </p:txBody>
       </p:sp>
-      <mc:AlternateContent xmlns:mc="http://schemas.openxmlformats.org/markup-compatibility/2006">
-        <mc:Choice xmlns:a14="http://schemas.microsoft.com/office/drawing/2010/main" Requires="a14">
+      <mc:AlternateContent xmlns:mc="http://schemas.openxmlformats.org/markup-compatibility/2006" xmlns:a14="http://schemas.microsoft.com/office/drawing/2010/main">
+        <mc:Choice Requires="a14">
           <p:sp>
             <p:nvSpPr>
               <p:cNvPr id="3" name="Content Placeholder 2"/>
@@ -4574,7 +4574,7 @@
             </p:txBody>
           </p:sp>
         </mc:Choice>
-        <mc:Fallback>
+        <mc:Fallback xmlns="">
           <p:sp>
             <p:nvSpPr>
               <p:cNvPr id="3" name="Content Placeholder 2"/>
@@ -7332,8 +7332,8 @@
           </a:p>
         </p:txBody>
       </p:sp>
-      <mc:AlternateContent xmlns:mc="http://schemas.openxmlformats.org/markup-compatibility/2006">
-        <mc:Choice xmlns:a14="http://schemas.microsoft.com/office/drawing/2010/main" Requires="a14">
+      <mc:AlternateContent xmlns:mc="http://schemas.openxmlformats.org/markup-compatibility/2006" xmlns:a14="http://schemas.microsoft.com/office/drawing/2010/main">
+        <mc:Choice Requires="a14">
           <p:sp>
             <p:nvSpPr>
               <p:cNvPr id="3" name="Content Placeholder 2"/>
@@ -7617,7 +7617,7 @@
             </p:txBody>
           </p:sp>
         </mc:Choice>
-        <mc:Fallback>
+        <mc:Fallback xmlns="">
           <p:sp>
             <p:nvSpPr>
               <p:cNvPr id="3" name="Content Placeholder 2"/>
@@ -7768,15 +7768,7 @@
             </a:r>
             <a:r>
               <a:rPr lang="en-US" dirty="0" smtClean="0"/>
-              <a:t>=10,000?) and an observation is a document in the corpus. The predictors are y/n for each word, which can be very sparse in the </a:t>
-            </a:r>
-            <a:r>
-              <a:rPr lang="en-US" dirty="0" smtClean="0"/>
-              <a:t>yes’s</a:t>
-            </a:r>
-            <a:r>
-              <a:rPr lang="en-US" dirty="0" smtClean="0"/>
-              <a:t>. </a:t>
+              <a:t>=10,000?) and an observation is a document in the corpus. The predictors are y/n for each word, which can be very sparse in the yes’s. </a:t>
             </a:r>
           </a:p>
           <a:p>
@@ -8036,15 +8028,7 @@
             <a:pPr lvl="1"/>
             <a:r>
               <a:rPr lang="en-US" dirty="0" smtClean="0"/>
-              <a:t>In practice, although </a:t>
-            </a:r>
-            <a:r>
-              <a:rPr lang="en-US" dirty="0" smtClean="0"/>
-              <a:t>many other </a:t>
-            </a:r>
-            <a:r>
-              <a:rPr lang="en-US" dirty="0" smtClean="0"/>
-              <a:t>kernels exist, they are very seldom used for SVM’s. </a:t>
+              <a:t>In practice, although many other kernels exist, they are very seldom used for SVM’s. </a:t>
             </a:r>
           </a:p>
           <a:p>
@@ -11063,26 +11047,11 @@
             </a:r>
             <a:r>
               <a:rPr lang="en-US" dirty="0" smtClean="0"/>
-              <a:t>communities</a:t>
-            </a:r>
-            <a:r>
-              <a:rPr lang="en-US" dirty="0"/>
-              <a:t>. </a:t>
-            </a:r>
-            <a:endParaRPr lang="en-US" dirty="0" smtClean="0"/>
-          </a:p>
-          <a:p>
+              <a:t>communities due </a:t>
+            </a:r>
             <a:r>
               <a:rPr lang="en-US" dirty="0" smtClean="0"/>
-              <a:t>This </a:t>
-            </a:r>
-            <a:r>
-              <a:rPr lang="en-US" dirty="0"/>
-              <a:t>was </a:t>
-            </a:r>
-            <a:r>
-              <a:rPr lang="en-US" dirty="0" smtClean="0"/>
-              <a:t>due in </a:t>
+              <a:t>in </a:t>
             </a:r>
             <a:r>
               <a:rPr lang="en-US" dirty="0"/>
@@ -11093,8 +11062,12 @@
               <a:t>performance, </a:t>
             </a:r>
             <a:r>
+              <a:rPr lang="en-US" dirty="0" smtClean="0"/>
+              <a:t>but also due to </a:t>
+            </a:r>
+            <a:r>
               <a:rPr lang="en-US" dirty="0"/>
-              <a:t>and also to the </a:t>
+              <a:t>the </a:t>
             </a:r>
             <a:r>
               <a:rPr lang="en-US" dirty="0" smtClean="0"/>
@@ -11110,7 +11083,11 @@
             <a:pPr lvl="1"/>
             <a:r>
               <a:rPr lang="en-US" dirty="0" smtClean="0"/>
-              <a:t>The idea of </a:t>
+              <a:t>In the case of Support Vector Classifiers, for example, the </a:t>
+            </a:r>
+            <a:r>
+              <a:rPr lang="en-US" dirty="0" smtClean="0"/>
+              <a:t>idea of </a:t>
             </a:r>
             <a:r>
               <a:rPr lang="en-US" dirty="0"/>
@@ -11151,13 +11128,14 @@
             <a:endParaRPr lang="en-US" dirty="0" smtClean="0"/>
           </a:p>
           <a:p>
+            <a:pPr lvl="1"/>
             <a:r>
               <a:rPr lang="en-US" dirty="0" smtClean="0"/>
-              <a:t>Also, </a:t>
+              <a:t>In the case of SVMs, the </a:t>
             </a:r>
             <a:r>
               <a:rPr lang="en-US" dirty="0"/>
-              <a:t>the idea of using a kernel to </a:t>
+              <a:t>idea of using a kernel to </a:t>
             </a:r>
             <a:r>
               <a:rPr lang="en-US" dirty="0" smtClean="0"/>
@@ -11243,8 +11221,8 @@
           </a:p>
         </p:txBody>
       </p:sp>
-      <mc:AlternateContent xmlns:mc="http://schemas.openxmlformats.org/markup-compatibility/2006" xmlns:a14="http://schemas.microsoft.com/office/drawing/2010/main">
-        <mc:Choice Requires="a14">
+      <mc:AlternateContent xmlns:mc="http://schemas.openxmlformats.org/markup-compatibility/2006">
+        <mc:Choice xmlns:a14="http://schemas.microsoft.com/office/drawing/2010/main" Requires="a14">
           <p:sp>
             <p:nvSpPr>
               <p:cNvPr id="3" name="Content Placeholder 2"/>
@@ -11298,8 +11276,12 @@
                   <a:t>fitting the support vector </a:t>
                 </a:r>
                 <a:r>
-                  <a:rPr lang="en-US" dirty="0" smtClean="0"/>
-                  <a:t>classifier  </a:t>
+                  <a:rPr lang="en-US" u="sng" dirty="0" smtClean="0"/>
+                  <a:t>classifier</a:t>
+                </a:r>
+                <a:r>
+                  <a:rPr lang="en-US" dirty="0" smtClean="0"/>
+                  <a:t>  </a:t>
                 </a:r>
                 <a14:m>
                   <m:oMath xmlns:m="http://schemas.openxmlformats.org/officeDocument/2006/math">
@@ -11587,7 +11569,7 @@
             </p:txBody>
           </p:sp>
         </mc:Choice>
-        <mc:Fallback xmlns="">
+        <mc:Fallback>
           <p:sp>
             <p:nvSpPr>
               <p:cNvPr id="3" name="Content Placeholder 2"/>
@@ -11728,13 +11710,8 @@
           <a:p>
             <a:r>
               <a:rPr lang="en-US" dirty="0" smtClean="0"/>
-              <a:t>That is</a:t>
-            </a:r>
-            <a:r>
-              <a:rPr lang="en-US" dirty="0" smtClean="0"/>
-              <a:t>, the original formulation…</a:t>
-            </a:r>
-            <a:endParaRPr lang="en-US" dirty="0" smtClean="0"/>
+              <a:t>That is, the original formulation…</a:t>
+            </a:r>
           </a:p>
           <a:p>
             <a:endParaRPr lang="en-US" dirty="0" smtClean="0"/>
@@ -11764,15 +11741,7 @@
             </a:pPr>
             <a:r>
               <a:rPr lang="en-US" dirty="0" smtClean="0"/>
-              <a:t>    is equivalent to the </a:t>
-            </a:r>
-            <a:r>
-              <a:rPr lang="en-US" dirty="0" smtClean="0"/>
-              <a:t>re-formulation</a:t>
-            </a:r>
-            <a:r>
-              <a:rPr lang="en-US" dirty="0" smtClean="0"/>
-              <a:t/>
+              <a:t>    is equivalent to the re-formulation</a:t>
             </a:r>
             <a:br>
               <a:rPr lang="en-US" dirty="0" smtClean="0"/>
@@ -13446,8 +13415,17 @@
           <a:p>
             <a:r>
               <a:rPr lang="en-US" dirty="0" smtClean="0"/>
-              <a:t>That is,…</a:t>
-            </a:r>
+              <a:t>That </a:t>
+            </a:r>
+            <a:r>
+              <a:rPr lang="en-US" dirty="0" smtClean="0"/>
+              <a:t>is, </a:t>
+            </a:r>
+            <a:r>
+              <a:rPr lang="en-US" dirty="0"/>
+              <a:t>the original formulation…</a:t>
+            </a:r>
+            <a:endParaRPr lang="en-US" dirty="0" smtClean="0"/>
           </a:p>
           <a:p>
             <a:endParaRPr lang="en-US" dirty="0" smtClean="0"/>
@@ -13477,7 +13455,15 @@
             </a:pPr>
             <a:r>
               <a:rPr lang="en-US" dirty="0" smtClean="0"/>
-              <a:t>    is equivalent to the original formulation</a:t>
+              <a:t>    is equivalent to the </a:t>
+            </a:r>
+            <a:r>
+              <a:rPr lang="en-US" dirty="0" smtClean="0"/>
+              <a:t>re-formulation</a:t>
+            </a:r>
+            <a:r>
+              <a:rPr lang="en-US" dirty="0" smtClean="0"/>
+              <a:t/>
             </a:r>
             <a:br>
               <a:rPr lang="en-US" dirty="0" smtClean="0"/>
@@ -15209,7 +15195,22 @@
             </a:r>
             <a:r>
               <a:rPr lang="en-US" dirty="0"/>
-              <a:t>the “Loss + Penalty” form that we have seen </a:t>
+              <a:t>the </a:t>
+            </a:r>
+            <a:r>
+              <a:rPr lang="en-US" dirty="0" smtClean="0"/>
+              <a:t/>
+            </a:r>
+            <a:br>
+              <a:rPr lang="en-US" dirty="0" smtClean="0"/>
+            </a:br>
+            <a:r>
+              <a:rPr lang="en-US" dirty="0" smtClean="0"/>
+              <a:t>“</a:t>
+            </a:r>
+            <a:r>
+              <a:rPr lang="en-US" dirty="0"/>
+              <a:t>Loss + Penalty” form that we have seen </a:t>
             </a:r>
             <a:r>
               <a:rPr lang="en-US" dirty="0" smtClean="0"/>
@@ -16500,11 +16501,15 @@
             </a:r>
             <a:r>
               <a:rPr lang="en-US" dirty="0"/>
-              <a:t>, and is depicted in </a:t>
+              <a:t>, and is depicted </a:t>
             </a:r>
             <a:r>
               <a:rPr lang="en-US" dirty="0" smtClean="0"/>
-              <a:t>in the figure above. </a:t>
+              <a:t>in orange in the </a:t>
+            </a:r>
+            <a:r>
+              <a:rPr lang="en-US" dirty="0" smtClean="0"/>
+              <a:t>figure above. </a:t>
             </a:r>
           </a:p>
           <a:p>
@@ -16538,8 +16543,8 @@
           </a:p>
         </p:txBody>
       </p:sp>
-      <mc:AlternateContent xmlns:mc="http://schemas.openxmlformats.org/markup-compatibility/2006">
-        <mc:Choice xmlns:a14="http://schemas.microsoft.com/office/drawing/2010/main" Requires="a14">
+      <mc:AlternateContent xmlns:mc="http://schemas.openxmlformats.org/markup-compatibility/2006" xmlns:a14="http://schemas.microsoft.com/office/drawing/2010/main">
+        <mc:Choice Requires="a14">
           <p:sp>
             <p:nvSpPr>
               <p:cNvPr id="5" name="Rectangle 4"/>
@@ -16944,7 +16949,7 @@
             </p:txBody>
           </p:sp>
         </mc:Choice>
-        <mc:Fallback>
+        <mc:Fallback xmlns="">
           <p:sp>
             <p:nvSpPr>
               <p:cNvPr id="5" name="Rectangle 4"/>
@@ -18800,8 +18805,8 @@
           </a:p>
         </p:txBody>
       </p:sp>
-      <mc:AlternateContent xmlns:mc="http://schemas.openxmlformats.org/markup-compatibility/2006">
-        <mc:Choice xmlns:a14="http://schemas.microsoft.com/office/drawing/2010/main" Requires="a14">
+      <mc:AlternateContent xmlns:mc="http://schemas.openxmlformats.org/markup-compatibility/2006" xmlns:a14="http://schemas.microsoft.com/office/drawing/2010/main">
+        <mc:Choice Requires="a14">
           <p:sp>
             <p:nvSpPr>
               <p:cNvPr id="3" name="Content Placeholder 2"/>
@@ -19317,19 +19322,11 @@
               <a:p>
                 <a:r>
                   <a:rPr lang="en-US" dirty="0" smtClean="0"/>
-                  <a:t>Although the proof will not be given here, it turns out </a:t>
-                </a:r>
-                <a:r>
-                  <a:rPr lang="en-US" dirty="0" smtClean="0"/>
-                  <a:t>that </a:t>
+                  <a:t>Although the proof will not be given here, it turns out that </a:t>
                 </a:r>
                 <a:r>
                   <a:rPr lang="en-US" u="sng" dirty="0" smtClean="0"/>
-                  <a:t>the calculation of </a:t>
-                </a:r>
-                <a:r>
-                  <a:rPr lang="en-US" u="sng" dirty="0" smtClean="0"/>
-                  <a:t>the </a:t>
+                  <a:t>the calculation of the </a:t>
                 </a:r>
                 <a:r>
                   <a:rPr lang="en-US" u="sng" dirty="0"/>
@@ -19374,7 +19371,7 @@
             </p:txBody>
           </p:sp>
         </mc:Choice>
-        <mc:Fallback>
+        <mc:Fallback xmlns="">
           <p:sp>
             <p:nvSpPr>
               <p:cNvPr id="3" name="Content Placeholder 2"/>
@@ -19468,8 +19465,8 @@
           </a:p>
         </p:txBody>
       </p:sp>
-      <mc:AlternateContent xmlns:mc="http://schemas.openxmlformats.org/markup-compatibility/2006">
-        <mc:Choice xmlns:a14="http://schemas.microsoft.com/office/drawing/2010/main" Requires="a14">
+      <mc:AlternateContent xmlns:mc="http://schemas.openxmlformats.org/markup-compatibility/2006" xmlns:a14="http://schemas.microsoft.com/office/drawing/2010/main">
+        <mc:Choice Requires="a14">
           <p:sp>
             <p:nvSpPr>
               <p:cNvPr id="3" name="Content Placeholder 2"/>
@@ -20322,7 +20319,7 @@
             </p:txBody>
           </p:sp>
         </mc:Choice>
-        <mc:Fallback>
+        <mc:Fallback xmlns="">
           <p:sp>
             <p:nvSpPr>
               <p:cNvPr id="3" name="Content Placeholder 2"/>
@@ -21233,7 +21230,6 @@
                   <a:rPr lang="en-US" dirty="0" smtClean="0"/>
                   <a:t>.</a:t>
                 </a:r>
-                <a:endParaRPr lang="en-US" dirty="0" smtClean="0"/>
               </a:p>
             </p:txBody>
           </p:sp>
